--- a/SS082_The_City_and_Technology/SS082_project/stage-2/SS082_Presentation_2.pptx
+++ b/SS082_The_City_and_Technology/SS082_project/stage-2/SS082_Presentation_2.pptx
@@ -20,7 +20,8 @@
     <p:sldId id="279" r:id="rId13"/>
     <p:sldId id="280" r:id="rId14"/>
     <p:sldId id="281" r:id="rId15"/>
-    <p:sldId id="275" r:id="rId16"/>
+    <p:sldId id="283" r:id="rId16"/>
+    <p:sldId id="275" r:id="rId17"/>
   </p:sldIdLst>
   <p:sldSz cx="12192000" cy="6858000"/>
   <p:notesSz cx="6858000" cy="9144000"/>
@@ -17323,6 +17324,631 @@
       </p:grpSpPr>
       <p:sp>
         <p:nvSpPr>
+          <p:cNvPr id="6" name="标题 5"/>
+          <p:cNvSpPr txBox="1">
+            <a:spLocks noGrp="1"/>
+          </p:cNvSpPr>
+          <p:nvPr>
+            <p:ph type="title" idx="2"/>
+            <p:custDataLst>
+              <p:tags r:id="rId1"/>
+            </p:custDataLst>
+          </p:nvPr>
+        </p:nvSpPr>
+        <p:spPr>
+          <a:noFill/>
+        </p:spPr>
+        <p:txBody>
+          <a:bodyPr vert="horz" wrap="square" lIns="91440" tIns="0" rIns="91440" bIns="0" rtlCol="0" anchor="b" anchorCtr="0">
+            <a:normAutofit/>
+          </a:bodyPr>
+          <a:lstStyle>
+            <a:lvl1pPr marL="0" marR="0" lvl="0" algn="l" defTabSz="914400" rtl="0" eaLnBrk="1" fontAlgn="auto" latinLnBrk="0" hangingPunct="1">
+              <a:lnSpc>
+                <a:spcPct val="100000"/>
+              </a:lnSpc>
+              <a:buClrTx/>
+              <a:buSzTx/>
+              <a:buFontTx/>
+              <a:buNone/>
+              <a:defRPr kumimoji="0" lang="zh-CN" altLang="en-US" sz="3200" b="1" i="0" u="none" strike="noStrike" kern="1200" cap="none" spc="0" normalizeH="0" baseline="0" noProof="1" dirty="0">
+                <a:solidFill>
+                  <a:schemeClr val="accent1"/>
+                </a:solidFill>
+                <a:latin typeface="+mj-lt"/>
+                <a:ea typeface="+mj-ea"/>
+                <a:cs typeface="MiSans Heavy" panose="00000A00000000000000" charset="-122"/>
+                <a:sym typeface="+mn-ea"/>
+              </a:defRPr>
+            </a:lvl1pPr>
+          </a:lstStyle>
+          <a:p>
+            <a:pPr lvl="0" algn="l"/>
+            <a:r>
+              <a:rPr lang="en-US" altLang="zh-CN">
+                <a:sym typeface="+mn-ea"/>
+              </a:rPr>
+              <a:t>Reference</a:t>
+            </a:r>
+            <a:endParaRPr lang="en-US" altLang="zh-CN">
+              <a:sym typeface="+mn-ea"/>
+            </a:endParaRPr>
+          </a:p>
+        </p:txBody>
+      </p:sp>
+      <p:sp>
+        <p:nvSpPr>
+          <p:cNvPr id="2" name="内容占位符 2"/>
+          <p:cNvSpPr>
+            <a:spLocks noGrp="1"/>
+          </p:cNvSpPr>
+          <p:nvPr>
+            <p:custDataLst>
+              <p:tags r:id="rId2"/>
+            </p:custDataLst>
+          </p:nvPr>
+        </p:nvSpPr>
+        <p:spPr>
+          <a:xfrm>
+            <a:off x="695325" y="1245235"/>
+            <a:ext cx="10799445" cy="4930775"/>
+          </a:xfrm>
+          <a:prstGeom prst="rect">
+            <a:avLst/>
+          </a:prstGeom>
+          <a:ln>
+            <a:noFill/>
+            <a:prstDash val="sysDash"/>
+          </a:ln>
+        </p:spPr>
+        <p:txBody>
+          <a:bodyPr vert="horz" lIns="90000" tIns="46800" rIns="90000" bIns="46800" rtlCol="0">
+            <a:noAutofit/>
+          </a:bodyPr>
+          <a:lstStyle>
+            <a:lvl1pPr marL="228600" marR="0" lvl="0" indent="-228600" algn="l" defTabSz="914400" rtl="0" eaLnBrk="1" fontAlgn="auto" latinLnBrk="0" hangingPunct="1">
+              <a:lnSpc>
+                <a:spcPct val="130000"/>
+              </a:lnSpc>
+              <a:spcBef>
+                <a:spcPts val="1200"/>
+              </a:spcBef>
+              <a:spcAft>
+                <a:spcPts val="0"/>
+              </a:spcAft>
+              <a:buClrTx/>
+              <a:buSzTx/>
+              <a:buFont typeface="Arial" panose="020B0604020202020204" pitchFamily="34" charset="0"/>
+              <a:buChar char="●"/>
+              <a:defRPr kumimoji="0" lang="zh-CN" altLang="en-US" sz="1800" b="0" i="0" u="none" strike="noStrike" kern="1200" cap="none" spc="150" normalizeH="0" baseline="0" noProof="1" dirty="0" smtClean="0">
+                <a:ln>
+                  <a:noFill/>
+                  <a:prstDash val="sysDot"/>
+                </a:ln>
+                <a:solidFill>
+                  <a:schemeClr val="tx1">
+                    <a:lumMod val="75000"/>
+                    <a:lumOff val="25000"/>
+                  </a:schemeClr>
+                </a:solidFill>
+                <a:uFillTx/>
+                <a:latin typeface="+mn-ea"/>
+                <a:ea typeface="+mn-ea"/>
+                <a:cs typeface="MiSans Heavy" panose="00000A00000000000000" charset="-122"/>
+                <a:sym typeface="+mn-ea"/>
+              </a:defRPr>
+            </a:lvl1pPr>
+            <a:lvl2pPr marL="685800" marR="0" lvl="1" indent="-228600" algn="l" rtl="0" eaLnBrk="1" fontAlgn="auto" latinLnBrk="0" hangingPunct="1">
+              <a:lnSpc>
+                <a:spcPct val="120000"/>
+              </a:lnSpc>
+              <a:spcBef>
+                <a:spcPts val="0"/>
+              </a:spcBef>
+              <a:spcAft>
+                <a:spcPts val="600"/>
+              </a:spcAft>
+              <a:buFont typeface="Arial" panose="020B0604020202020204" pitchFamily="34" charset="0"/>
+              <a:buChar char="●"/>
+              <a:tabLst>
+                <a:tab pos="1609725" algn="l"/>
+              </a:tabLst>
+              <a:defRPr kumimoji="0" lang="zh-CN" altLang="en-US" sz="1600" b="0" i="0" u="none" strike="noStrike" kern="1200" cap="none" spc="150" normalizeH="0" baseline="0" dirty="0" smtClean="0">
+                <a:solidFill>
+                  <a:schemeClr val="tx1">
+                    <a:lumMod val="65000"/>
+                    <a:lumOff val="35000"/>
+                  </a:schemeClr>
+                </a:solidFill>
+                <a:uFillTx/>
+                <a:latin typeface="+mn-ea"/>
+                <a:ea typeface="+mn-ea"/>
+                <a:cs typeface="+mn-cs"/>
+              </a:defRPr>
+            </a:lvl2pPr>
+            <a:lvl3pPr marL="1143000" marR="0" lvl="2" indent="-228600" algn="l" defTabSz="914400" rtl="0" eaLnBrk="1" fontAlgn="auto" latinLnBrk="0" hangingPunct="1">
+              <a:lnSpc>
+                <a:spcPct val="120000"/>
+              </a:lnSpc>
+              <a:spcBef>
+                <a:spcPts val="0"/>
+              </a:spcBef>
+              <a:spcAft>
+                <a:spcPts val="600"/>
+              </a:spcAft>
+              <a:buFont typeface="Arial" panose="020B0604020202020204" pitchFamily="34" charset="0"/>
+              <a:buChar char="●"/>
+              <a:defRPr kumimoji="0" lang="zh-CN" altLang="en-US" sz="1600" b="0" i="0" u="none" strike="noStrike" kern="1200" cap="none" spc="150" normalizeH="0" baseline="0" dirty="0" smtClean="0">
+                <a:solidFill>
+                  <a:schemeClr val="tx1">
+                    <a:lumMod val="65000"/>
+                    <a:lumOff val="35000"/>
+                  </a:schemeClr>
+                </a:solidFill>
+                <a:uFillTx/>
+                <a:latin typeface="+mn-ea"/>
+                <a:ea typeface="+mn-ea"/>
+                <a:cs typeface="+mn-cs"/>
+              </a:defRPr>
+            </a:lvl3pPr>
+            <a:lvl4pPr marL="1600200" marR="0" lvl="3" indent="-228600" algn="l" defTabSz="914400" rtl="0" eaLnBrk="1" fontAlgn="auto" latinLnBrk="0" hangingPunct="1">
+              <a:lnSpc>
+                <a:spcPct val="120000"/>
+              </a:lnSpc>
+              <a:spcBef>
+                <a:spcPts val="0"/>
+              </a:spcBef>
+              <a:spcAft>
+                <a:spcPts val="300"/>
+              </a:spcAft>
+              <a:buFont typeface="Wingdings" panose="05000000000000000000" charset="0"/>
+              <a:buChar char=""/>
+              <a:defRPr kumimoji="0" lang="zh-CN" altLang="en-US" sz="1400" b="0" i="0" u="none" strike="noStrike" kern="1200" cap="none" spc="150" normalizeH="0" baseline="0" dirty="0" smtClean="0">
+                <a:solidFill>
+                  <a:schemeClr val="tx1">
+                    <a:lumMod val="65000"/>
+                    <a:lumOff val="35000"/>
+                  </a:schemeClr>
+                </a:solidFill>
+                <a:uFillTx/>
+                <a:latin typeface="+mn-ea"/>
+                <a:ea typeface="+mn-ea"/>
+                <a:cs typeface="+mn-cs"/>
+              </a:defRPr>
+            </a:lvl4pPr>
+            <a:lvl5pPr marL="2057400" marR="0" lvl="4" indent="-228600" algn="l" defTabSz="914400" rtl="0" eaLnBrk="1" fontAlgn="auto" latinLnBrk="0" hangingPunct="1">
+              <a:lnSpc>
+                <a:spcPct val="120000"/>
+              </a:lnSpc>
+              <a:spcBef>
+                <a:spcPts val="0"/>
+              </a:spcBef>
+              <a:spcAft>
+                <a:spcPts val="300"/>
+              </a:spcAft>
+              <a:buFont typeface="Arial" panose="020B0604020202020204" pitchFamily="34" charset="0"/>
+              <a:buChar char="•"/>
+              <a:defRPr kumimoji="0" lang="zh-CN" altLang="en-US" sz="1400" b="0" i="0" u="none" strike="noStrike" kern="1200" cap="none" spc="150" normalizeH="0" baseline="0" dirty="0">
+                <a:solidFill>
+                  <a:schemeClr val="tx1">
+                    <a:lumMod val="65000"/>
+                    <a:lumOff val="35000"/>
+                  </a:schemeClr>
+                </a:solidFill>
+                <a:uFillTx/>
+                <a:latin typeface="+mn-ea"/>
+                <a:ea typeface="+mn-ea"/>
+                <a:cs typeface="+mn-cs"/>
+              </a:defRPr>
+            </a:lvl5pPr>
+            <a:lvl6pPr marL="2514600" indent="0" algn="l" defTabSz="914400" rtl="0" eaLnBrk="1" latinLnBrk="0" hangingPunct="1">
+              <a:lnSpc>
+                <a:spcPct val="90000"/>
+              </a:lnSpc>
+              <a:spcBef>
+                <a:spcPts val="500"/>
+              </a:spcBef>
+              <a:buFont typeface="Arial" panose="020B0604020202020204" pitchFamily="34" charset="0"/>
+              <a:buNone/>
+              <a:defRPr sz="1800" kern="1200">
+                <a:solidFill>
+                  <a:schemeClr val="tx1"/>
+                </a:solidFill>
+                <a:latin typeface="+mn-lt"/>
+                <a:ea typeface="+mn-ea"/>
+                <a:cs typeface="+mn-cs"/>
+              </a:defRPr>
+            </a:lvl6pPr>
+            <a:lvl7pPr marL="2971800" indent="-228600" algn="l" defTabSz="914400" rtl="0" eaLnBrk="1" latinLnBrk="0" hangingPunct="1">
+              <a:lnSpc>
+                <a:spcPct val="90000"/>
+              </a:lnSpc>
+              <a:spcBef>
+                <a:spcPts val="500"/>
+              </a:spcBef>
+              <a:buFont typeface="Arial" panose="020B0604020202020204" pitchFamily="34" charset="0"/>
+              <a:buChar char="•"/>
+              <a:defRPr sz="1800" kern="1200">
+                <a:solidFill>
+                  <a:schemeClr val="tx1"/>
+                </a:solidFill>
+                <a:latin typeface="+mn-lt"/>
+                <a:ea typeface="+mn-ea"/>
+                <a:cs typeface="+mn-cs"/>
+              </a:defRPr>
+            </a:lvl7pPr>
+            <a:lvl8pPr marL="3429000" indent="-228600" algn="l" defTabSz="914400" rtl="0" eaLnBrk="1" latinLnBrk="0" hangingPunct="1">
+              <a:lnSpc>
+                <a:spcPct val="90000"/>
+              </a:lnSpc>
+              <a:spcBef>
+                <a:spcPts val="500"/>
+              </a:spcBef>
+              <a:buFont typeface="Arial" panose="020B0604020202020204" pitchFamily="34" charset="0"/>
+              <a:buChar char="•"/>
+              <a:defRPr sz="1800" kern="1200">
+                <a:solidFill>
+                  <a:schemeClr val="tx1"/>
+                </a:solidFill>
+                <a:latin typeface="+mn-lt"/>
+                <a:ea typeface="+mn-ea"/>
+                <a:cs typeface="+mn-cs"/>
+              </a:defRPr>
+            </a:lvl8pPr>
+            <a:lvl9pPr marL="3886200" indent="-228600" algn="l" defTabSz="914400" rtl="0" eaLnBrk="1" latinLnBrk="0" hangingPunct="1">
+              <a:lnSpc>
+                <a:spcPct val="90000"/>
+              </a:lnSpc>
+              <a:spcBef>
+                <a:spcPts val="500"/>
+              </a:spcBef>
+              <a:buFont typeface="Arial" panose="020B0604020202020204" pitchFamily="34" charset="0"/>
+              <a:buChar char="•"/>
+              <a:defRPr sz="1800" kern="1200">
+                <a:solidFill>
+                  <a:schemeClr val="tx1"/>
+                </a:solidFill>
+                <a:latin typeface="+mn-lt"/>
+                <a:ea typeface="+mn-ea"/>
+                <a:cs typeface="+mn-cs"/>
+              </a:defRPr>
+            </a:lvl9pPr>
+          </a:lstStyle>
+          <a:p>
+            <a:pPr marL="342900" indent="-342900">
+              <a:buAutoNum type="arabicPeriod"/>
+            </a:pPr>
+            <a:r>
+              <a:rPr lang="zh-CN" altLang="en-US" sz="1800">
+                <a:solidFill>
+                  <a:schemeClr val="tx1">
+                    <a:lumMod val="75000"/>
+                    <a:lumOff val="25000"/>
+                  </a:schemeClr>
+                </a:solidFill>
+              </a:rPr>
+              <a:t>中国食品科学技术学会</a:t>
+            </a:r>
+            <a:r>
+              <a:rPr lang="en-US" altLang="zh-CN" sz="1800">
+                <a:solidFill>
+                  <a:schemeClr val="tx1">
+                    <a:lumMod val="75000"/>
+                    <a:lumOff val="25000"/>
+                  </a:schemeClr>
+                </a:solidFill>
+              </a:rPr>
+              <a:t>, </a:t>
+            </a:r>
+            <a:r>
+              <a:rPr lang="zh-CN" altLang="en-US" sz="1800">
+                <a:solidFill>
+                  <a:schemeClr val="tx1">
+                    <a:lumMod val="75000"/>
+                    <a:lumOff val="25000"/>
+                  </a:schemeClr>
+                </a:solidFill>
+              </a:rPr>
+              <a:t>国际食品科技联盟</a:t>
+            </a:r>
+            <a:r>
+              <a:rPr lang="en-US" altLang="zh-CN" sz="1800">
+                <a:solidFill>
+                  <a:schemeClr val="tx1">
+                    <a:lumMod val="75000"/>
+                    <a:lumOff val="25000"/>
+                  </a:schemeClr>
+                </a:solidFill>
+              </a:rPr>
+              <a:t>. </a:t>
+            </a:r>
+            <a:r>
+              <a:rPr lang="zh-CN" altLang="en-US" sz="1800">
+                <a:solidFill>
+                  <a:schemeClr val="tx1">
+                    <a:lumMod val="75000"/>
+                    <a:lumOff val="25000"/>
+                  </a:schemeClr>
+                </a:solidFill>
+              </a:rPr>
+              <a:t>聚焦生物制造</a:t>
+            </a:r>
+            <a:r>
+              <a:rPr lang="en-US" altLang="zh-CN" sz="1800">
+                <a:solidFill>
+                  <a:schemeClr val="tx1">
+                    <a:lumMod val="75000"/>
+                    <a:lumOff val="25000"/>
+                  </a:schemeClr>
+                </a:solidFill>
+              </a:rPr>
+              <a:t> </a:t>
+            </a:r>
+            <a:r>
+              <a:rPr lang="zh-CN" altLang="en-US" sz="1800">
+                <a:solidFill>
+                  <a:schemeClr val="tx1">
+                    <a:lumMod val="75000"/>
+                    <a:lumOff val="25000"/>
+                  </a:schemeClr>
+                </a:solidFill>
+              </a:rPr>
+              <a:t>拥抱人工智能</a:t>
+            </a:r>
+            <a:r>
+              <a:rPr lang="en-US" altLang="zh-CN" sz="1800">
+                <a:solidFill>
+                  <a:schemeClr val="tx1">
+                    <a:lumMod val="75000"/>
+                    <a:lumOff val="25000"/>
+                  </a:schemeClr>
+                </a:solidFill>
+              </a:rPr>
+              <a:t>——</a:t>
+            </a:r>
+            <a:r>
+              <a:rPr lang="zh-CN" altLang="en-US" sz="1800">
+                <a:solidFill>
+                  <a:schemeClr val="tx1">
+                    <a:lumMod val="75000"/>
+                    <a:lumOff val="25000"/>
+                  </a:schemeClr>
+                </a:solidFill>
+              </a:rPr>
+              <a:t>全球食品产业未来发展热点</a:t>
+            </a:r>
+            <a:r>
+              <a:rPr lang="en-US" altLang="zh-CN" sz="1800">
+                <a:solidFill>
+                  <a:schemeClr val="tx1">
+                    <a:lumMod val="75000"/>
+                    <a:lumOff val="25000"/>
+                  </a:schemeClr>
+                </a:solidFill>
+              </a:rPr>
+              <a:t>[C]//2025</a:t>
+            </a:r>
+            <a:r>
+              <a:rPr lang="zh-CN" altLang="en-US" sz="1800">
+                <a:solidFill>
+                  <a:schemeClr val="tx1">
+                    <a:lumMod val="75000"/>
+                    <a:lumOff val="25000"/>
+                  </a:schemeClr>
+                </a:solidFill>
+              </a:rPr>
+              <a:t>年国际食品安全与健康大会</a:t>
+            </a:r>
+            <a:r>
+              <a:rPr lang="en-US" altLang="zh-CN" sz="1800">
+                <a:solidFill>
+                  <a:schemeClr val="tx1">
+                    <a:lumMod val="75000"/>
+                    <a:lumOff val="25000"/>
+                  </a:schemeClr>
+                </a:solidFill>
+              </a:rPr>
+              <a:t>. </a:t>
+            </a:r>
+            <a:r>
+              <a:rPr lang="zh-CN" altLang="en-US" sz="1800">
+                <a:solidFill>
+                  <a:schemeClr val="tx1">
+                    <a:lumMod val="75000"/>
+                    <a:lumOff val="25000"/>
+                  </a:schemeClr>
+                </a:solidFill>
+              </a:rPr>
+              <a:t>北京</a:t>
+            </a:r>
+            <a:r>
+              <a:rPr lang="en-US" altLang="zh-CN" sz="1800">
+                <a:solidFill>
+                  <a:schemeClr val="tx1">
+                    <a:lumMod val="75000"/>
+                    <a:lumOff val="25000"/>
+                  </a:schemeClr>
+                </a:solidFill>
+              </a:rPr>
+              <a:t>, 2025.</a:t>
+            </a:r>
+            <a:endParaRPr lang="en-US" altLang="zh-CN" sz="1800">
+              <a:solidFill>
+                <a:schemeClr val="tx1">
+                  <a:lumMod val="75000"/>
+                  <a:lumOff val="25000"/>
+                </a:schemeClr>
+              </a:solidFill>
+            </a:endParaRPr>
+          </a:p>
+          <a:p>
+            <a:pPr marL="342900" indent="-342900">
+              <a:buAutoNum type="arabicPeriod"/>
+            </a:pPr>
+            <a:r>
+              <a:rPr lang="zh-CN" altLang="en-US" sz="1800">
+                <a:solidFill>
+                  <a:schemeClr val="tx1">
+                    <a:lumMod val="75000"/>
+                    <a:lumOff val="25000"/>
+                  </a:schemeClr>
+                </a:solidFill>
+              </a:rPr>
+              <a:t>佚名</a:t>
+            </a:r>
+            <a:r>
+              <a:rPr lang="en-US" altLang="zh-CN" sz="1800">
+                <a:solidFill>
+                  <a:schemeClr val="tx1">
+                    <a:lumMod val="75000"/>
+                    <a:lumOff val="25000"/>
+                  </a:schemeClr>
+                </a:solidFill>
+              </a:rPr>
+              <a:t>. </a:t>
+            </a:r>
+            <a:r>
+              <a:rPr lang="zh-CN" altLang="en-US" sz="1800">
+                <a:solidFill>
+                  <a:schemeClr val="tx1">
+                    <a:lumMod val="75000"/>
+                    <a:lumOff val="25000"/>
+                  </a:schemeClr>
+                </a:solidFill>
+              </a:rPr>
+              <a:t>这</a:t>
+            </a:r>
+            <a:r>
+              <a:rPr lang="en-US" altLang="zh-CN" sz="1800">
+                <a:solidFill>
+                  <a:schemeClr val="tx1">
+                    <a:lumMod val="75000"/>
+                    <a:lumOff val="25000"/>
+                  </a:schemeClr>
+                </a:solidFill>
+              </a:rPr>
+              <a:t>11</a:t>
+            </a:r>
+            <a:r>
+              <a:rPr lang="zh-CN" altLang="en-US" sz="1800">
+                <a:solidFill>
+                  <a:schemeClr val="tx1">
+                    <a:lumMod val="75000"/>
+                    <a:lumOff val="25000"/>
+                  </a:schemeClr>
+                </a:solidFill>
+              </a:rPr>
+              <a:t>项创新技术将颠覆你对未来食品的想象</a:t>
+            </a:r>
+            <a:r>
+              <a:rPr lang="en-US" altLang="zh-CN" sz="1800">
+                <a:solidFill>
+                  <a:schemeClr val="tx1">
+                    <a:lumMod val="75000"/>
+                    <a:lumOff val="25000"/>
+                  </a:schemeClr>
+                </a:solidFill>
+              </a:rPr>
+              <a:t>[EB/OL]. (2025-05-28)[2025-05-28]. https://bbs.360.cn/forum.php?mod=viewthread&amp;tid=15487663&amp;extra=page%3D1&amp;page=1&amp;archive_src=bbs_smart.</a:t>
+            </a:r>
+            <a:endParaRPr lang="en-US" altLang="zh-CN" sz="1800">
+              <a:solidFill>
+                <a:schemeClr val="tx1">
+                  <a:lumMod val="75000"/>
+                  <a:lumOff val="25000"/>
+                </a:schemeClr>
+              </a:solidFill>
+            </a:endParaRPr>
+          </a:p>
+          <a:p>
+            <a:pPr marL="342900" indent="-342900">
+              <a:buAutoNum type="arabicPeriod"/>
+            </a:pPr>
+            <a:r>
+              <a:rPr lang="zh-CN" altLang="en-US" sz="1800">
+                <a:solidFill>
+                  <a:schemeClr val="tx1">
+                    <a:lumMod val="75000"/>
+                    <a:lumOff val="25000"/>
+                  </a:schemeClr>
+                </a:solidFill>
+              </a:rPr>
+              <a:t>佚名</a:t>
+            </a:r>
+            <a:r>
+              <a:rPr lang="en-US" altLang="zh-CN" sz="1800">
+                <a:solidFill>
+                  <a:schemeClr val="tx1">
+                    <a:lumMod val="75000"/>
+                    <a:lumOff val="25000"/>
+                  </a:schemeClr>
+                </a:solidFill>
+              </a:rPr>
+              <a:t>. </a:t>
+            </a:r>
+            <a:r>
+              <a:rPr lang="zh-CN" altLang="en-US" sz="1800">
+                <a:solidFill>
+                  <a:schemeClr val="tx1">
+                    <a:lumMod val="75000"/>
+                    <a:lumOff val="25000"/>
+                  </a:schemeClr>
+                </a:solidFill>
+              </a:rPr>
+              <a:t>探索食品科技新潮流：味蕾与科技的完美碰撞</a:t>
+            </a:r>
+            <a:r>
+              <a:rPr lang="en-US" altLang="zh-CN" sz="1800">
+                <a:solidFill>
+                  <a:schemeClr val="tx1">
+                    <a:lumMod val="75000"/>
+                    <a:lumOff val="25000"/>
+                  </a:schemeClr>
+                </a:solidFill>
+              </a:rPr>
+              <a:t>![EB/OL]. (2025-05-28)[2025-05-28]. https://baijiahao.baidu.com/s?id=1822819003526694126&amp;wfr=spider&amp;for=pc.</a:t>
+            </a:r>
+            <a:endParaRPr lang="en-US" altLang="zh-CN" sz="1800">
+              <a:solidFill>
+                <a:schemeClr val="tx1">
+                  <a:lumMod val="75000"/>
+                  <a:lumOff val="25000"/>
+                </a:schemeClr>
+              </a:solidFill>
+            </a:endParaRPr>
+          </a:p>
+        </p:txBody>
+      </p:sp>
+    </p:spTree>
+    <p:custDataLst>
+      <p:tags r:id="rId3"/>
+    </p:custDataLst>
+  </p:cSld>
+  <p:clrMapOvr>
+    <a:masterClrMapping/>
+  </p:clrMapOvr>
+</p:sld>
+</file>
+
+<file path=ppt/slides/slide12.xml><?xml version="1.0" encoding="utf-8"?>
+<p:sld xmlns:a="http://schemas.openxmlformats.org/drawingml/2006/main" xmlns:r="http://schemas.openxmlformats.org/officeDocument/2006/relationships" xmlns:p="http://schemas.openxmlformats.org/presentationml/2006/main">
+  <p:cSld>
+    <p:spTree>
+      <p:nvGrpSpPr>
+        <p:cNvPr id="1" name=""/>
+        <p:cNvGrpSpPr/>
+        <p:nvPr/>
+      </p:nvGrpSpPr>
+      <p:grpSpPr>
+        <a:xfrm>
+          <a:off x="0" y="0"/>
+          <a:ext cx="0" cy="0"/>
+          <a:chOff x="0" y="0"/>
+          <a:chExt cx="0" cy="0"/>
+        </a:xfrm>
+      </p:grpSpPr>
+      <p:sp>
+        <p:nvSpPr>
           <p:cNvPr id="2" name="标题 1"/>
           <p:cNvSpPr>
             <a:spLocks noGrp="1"/>
@@ -19337,7 +19963,7 @@
                   </a:schemeClr>
                 </a:solidFill>
               </a:rPr>
-              <a:t>need — associated cases / scanning physical state</a:t>
+              <a:t>need — associate cases / scan physical statement</a:t>
             </a:r>
             <a:endParaRPr lang="en-US" altLang="zh-CN" sz="1800">
               <a:solidFill>
@@ -19984,7 +20610,7 @@
                     <a:lumOff val="25000"/>
                   </a:schemeClr>
                 </a:solidFill>
-                <a:hlinkClick r:id="rId3" tooltip="" action="ppaction://hlinkfile"/>
+                <a:hlinkClick r:id="rId3" action="ppaction://hlinkfile"/>
               </a:rPr>
               <a:t>replica technology</a:t>
             </a:r>
@@ -19995,7 +20621,7 @@
                   <a:lumOff val="25000"/>
                 </a:schemeClr>
               </a:solidFill>
-              <a:hlinkClick r:id="rId3" tooltip="" action="ppaction://hlinkfile"/>
+              <a:hlinkClick r:id="rId3" action="ppaction://hlinkfile"/>
             </a:endParaRPr>
           </a:p>
           <a:p>
@@ -22838,6 +23464,81 @@
   <p:tag name="KSO_WM_UNIT_DIAGRAM_ISREFERUNIT" val="0"/>
   <p:tag name="KSO_WM_UNIT_TYPE" val="a"/>
   <p:tag name="KSO_WM_UNIT_INDEX" val="1"/>
+  <p:tag name="KSO_WM_UNIT_ID" val="custom20230230_10*a*1"/>
+  <p:tag name="KSO_WM_TEMPLATE_CATEGORY" val="custom"/>
+  <p:tag name="KSO_WM_TEMPLATE_INDEX" val="20230230"/>
+  <p:tag name="KSO_WM_UNIT_LAYERLEVEL" val="1"/>
+  <p:tag name="KSO_WM_TAG_VERSION" val="3.0"/>
+  <p:tag name="KSO_WM_BEAUTIFY_FLAG" val="#wm#"/>
+  <p:tag name="KSO_WM_UNIT_CONTENT_GROUP_TYPE" val="titlestyle"/>
+  <p:tag name="PA" val="v5.2.11"/>
+  <p:tag name="KSO_WM_UNIT_TEXT_TYPE" val="1"/>
+  <p:tag name="KSO_WM_UNIT_PRESET_TEXT" val="单击此处添加文档标题"/>
+</p:tagLst>
+</file>
+
+<file path=ppt/tags/tag212.xml><?xml version="1.0" encoding="utf-8"?>
+<p:tagLst xmlns:p="http://schemas.openxmlformats.org/presentationml/2006/main">
+  <p:tag name="KSO_WM_UNIT_SUBTYPE" val="a"/>
+  <p:tag name="KSO_WM_UNIT_NOCLEAR" val="0"/>
+  <p:tag name="KSO_WM_UNIT_VALUE" val="60"/>
+  <p:tag name="KSO_WM_UNIT_HIGHLIGHT" val="0"/>
+  <p:tag name="KSO_WM_UNIT_COMPATIBLE" val="0"/>
+  <p:tag name="KSO_WM_UNIT_DIAGRAM_ISNUMVISUAL" val="0"/>
+  <p:tag name="KSO_WM_UNIT_DIAGRAM_ISREFERUNIT" val="0"/>
+  <p:tag name="KSO_WM_UNIT_TYPE" val="f"/>
+  <p:tag name="KSO_WM_UNIT_INDEX" val="1"/>
+  <p:tag name="KSO_WM_UNIT_ID" val="custom20230230_10*f*1"/>
+  <p:tag name="KSO_WM_TEMPLATE_CATEGORY" val="custom"/>
+  <p:tag name="KSO_WM_TEMPLATE_INDEX" val="20230230"/>
+  <p:tag name="KSO_WM_UNIT_LAYERLEVEL" val="1"/>
+  <p:tag name="KSO_WM_TAG_VERSION" val="3.0"/>
+  <p:tag name="KSO_WM_BEAUTIFY_FLAG" val="#wm#"/>
+  <p:tag name="KSO_WM_UNIT_TEXT_FILL_FORE_SCHEMECOLOR_INDEX_BRIGHTNESS" val="0.25"/>
+  <p:tag name="KSO_WM_UNIT_TEXT_FILL_FORE_SCHEMECOLOR_INDEX" val="13"/>
+  <p:tag name="KSO_WM_UNIT_TEXT_FILL_TYPE" val="1"/>
+  <p:tag name="PA" val="v5.2.11"/>
+  <p:tag name="KSO_WM_UNIT_TEXT_TYPE" val="1"/>
+  <p:tag name="KSO_WM_UNIT_TEXT_LAYER_COUNT" val="1"/>
+  <p:tag name="KSO_WM_UNIT_PRESET_TEXT" val="单击此处添加文本"/>
+</p:tagLst>
+</file>
+
+<file path=ppt/tags/tag213.xml><?xml version="1.0" encoding="utf-8"?>
+<p:tagLst xmlns:p="http://schemas.openxmlformats.org/presentationml/2006/main">
+  <p:tag name="KSO_WM_SLIDE_ID" val="custom20230230_10"/>
+  <p:tag name="KSO_WM_TEMPLATE_SUBCATEGORY" val="29"/>
+  <p:tag name="KSO_WM_TEMPLATE_MASTER_TYPE" val="0"/>
+  <p:tag name="KSO_WM_TEMPLATE_COLOR_TYPE" val="0"/>
+  <p:tag name="KSO_WM_SLIDE_ITEM_CNT" val="0"/>
+  <p:tag name="KSO_WM_SLIDE_INDEX" val="10"/>
+  <p:tag name="KSO_WM_TAG_VERSION" val="3.0"/>
+  <p:tag name="KSO_WM_BEAUTIFY_FLAG" val="#wm#"/>
+  <p:tag name="KSO_WM_TEMPLATE_CATEGORY" val="custom"/>
+  <p:tag name="KSO_WM_TEMPLATE_INDEX" val="20230230"/>
+  <p:tag name="KSO_WM_SLIDE_TYPE" val="text"/>
+  <p:tag name="KSO_WM_SLIDE_SUBTYPE" val="pureTxt"/>
+  <p:tag name="KSO_WM_SLIDE_SIZE" val="850*445"/>
+  <p:tag name="KSO_WM_SLIDE_POSITION" val="54*41"/>
+  <p:tag name="KSO_WM_SLIDE_LAYOUT" val="a_f"/>
+  <p:tag name="KSO_WM_SLIDE_LAYOUT_CNT" val="1_1"/>
+  <p:tag name="KSO_WM_SPECIAL_SOURCE" val="bdnull"/>
+  <p:tag name="KSO_WM_SLIDE_LAYOUT_NAME" val="标题和内容"/>
+</p:tagLst>
+</file>
+
+<file path=ppt/tags/tag214.xml><?xml version="1.0" encoding="utf-8"?>
+<p:tagLst xmlns:p="http://schemas.openxmlformats.org/presentationml/2006/main">
+  <p:tag name="KSO_WM_UNIT_ISCONTENTSTITLE" val="0"/>
+  <p:tag name="KSO_WM_UNIT_ISNUMDGMTITLE" val="0"/>
+  <p:tag name="KSO_WM_UNIT_NOCLEAR" val="0"/>
+  <p:tag name="KSO_WM_UNIT_VALUE" val="10"/>
+  <p:tag name="KSO_WM_UNIT_HIGHLIGHT" val="0"/>
+  <p:tag name="KSO_WM_UNIT_COMPATIBLE" val="0"/>
+  <p:tag name="KSO_WM_UNIT_DIAGRAM_ISNUMVISUAL" val="0"/>
+  <p:tag name="KSO_WM_UNIT_DIAGRAM_ISREFERUNIT" val="0"/>
+  <p:tag name="KSO_WM_UNIT_TYPE" val="a"/>
+  <p:tag name="KSO_WM_UNIT_INDEX" val="1"/>
   <p:tag name="KSO_WM_UNIT_ID" val="custom20230230_11*a*1"/>
   <p:tag name="KSO_WM_TEMPLATE_CATEGORY" val="custom"/>
   <p:tag name="KSO_WM_TEMPLATE_INDEX" val="20230230"/>
@@ -22848,7 +23549,7 @@
 </p:tagLst>
 </file>
 
-<file path=ppt/tags/tag212.xml><?xml version="1.0" encoding="utf-8"?>
+<file path=ppt/tags/tag215.xml><?xml version="1.0" encoding="utf-8"?>
 <p:tagLst xmlns:p="http://schemas.openxmlformats.org/presentationml/2006/main">
   <p:tag name="KSO_WM_UNIT_SUBTYPE" val="b"/>
   <p:tag name="KSO_WM_UNIT_NOCLEAR" val="0"/>
@@ -22873,7 +23574,7 @@
 </p:tagLst>
 </file>
 
-<file path=ppt/tags/tag213.xml><?xml version="1.0" encoding="utf-8"?>
+<file path=ppt/tags/tag216.xml><?xml version="1.0" encoding="utf-8"?>
 <p:tagLst xmlns:p="http://schemas.openxmlformats.org/presentationml/2006/main">
   <p:tag name="KSO_WM_SLIDE_ID" val="custom20230230_11"/>
   <p:tag name="KSO_WM_TEMPLATE_SUBCATEGORY" val="29"/>
